--- a/UI/navigation/whatispipo/whatispipo.pptx
+++ b/UI/navigation/whatispipo/whatispipo.pptx
@@ -6,8 +6,6 @@
   </p:sldMasterIdLst>
   <p:sldIdLst>
     <p:sldId id="265" r:id="rId2"/>
-    <p:sldId id="266" r:id="rId3"/>
-    <p:sldId id="267" r:id="rId4"/>
   </p:sldIdLst>
   <p:sldSz cx="12192000" cy="6858000"/>
   <p:notesSz cx="6858000" cy="9144000"/>
@@ -245,7 +243,7 @@
           <a:p>
             <a:fld id="{6EC29A49-11F5-4B93-A284-89926455DC1D}" type="datetimeFigureOut">
               <a:rPr lang="ko-KR" altLang="en-US" smtClean="0"/>
-              <a:t>2021-06-02</a:t>
+              <a:t>2021-06-04</a:t>
             </a:fld>
             <a:endParaRPr lang="ko-KR" altLang="en-US"/>
           </a:p>
@@ -415,7 +413,7 @@
           <a:p>
             <a:fld id="{6EC29A49-11F5-4B93-A284-89926455DC1D}" type="datetimeFigureOut">
               <a:rPr lang="ko-KR" altLang="en-US" smtClean="0"/>
-              <a:t>2021-06-02</a:t>
+              <a:t>2021-06-04</a:t>
             </a:fld>
             <a:endParaRPr lang="ko-KR" altLang="en-US"/>
           </a:p>
@@ -595,7 +593,7 @@
           <a:p>
             <a:fld id="{6EC29A49-11F5-4B93-A284-89926455DC1D}" type="datetimeFigureOut">
               <a:rPr lang="ko-KR" altLang="en-US" smtClean="0"/>
-              <a:t>2021-06-02</a:t>
+              <a:t>2021-06-04</a:t>
             </a:fld>
             <a:endParaRPr lang="ko-KR" altLang="en-US"/>
           </a:p>
@@ -765,7 +763,7 @@
           <a:p>
             <a:fld id="{6EC29A49-11F5-4B93-A284-89926455DC1D}" type="datetimeFigureOut">
               <a:rPr lang="ko-KR" altLang="en-US" smtClean="0"/>
-              <a:t>2021-06-02</a:t>
+              <a:t>2021-06-04</a:t>
             </a:fld>
             <a:endParaRPr lang="ko-KR" altLang="en-US"/>
           </a:p>
@@ -1011,7 +1009,7 @@
           <a:p>
             <a:fld id="{6EC29A49-11F5-4B93-A284-89926455DC1D}" type="datetimeFigureOut">
               <a:rPr lang="ko-KR" altLang="en-US" smtClean="0"/>
-              <a:t>2021-06-02</a:t>
+              <a:t>2021-06-04</a:t>
             </a:fld>
             <a:endParaRPr lang="ko-KR" altLang="en-US"/>
           </a:p>
@@ -1243,7 +1241,7 @@
           <a:p>
             <a:fld id="{6EC29A49-11F5-4B93-A284-89926455DC1D}" type="datetimeFigureOut">
               <a:rPr lang="ko-KR" altLang="en-US" smtClean="0"/>
-              <a:t>2021-06-02</a:t>
+              <a:t>2021-06-04</a:t>
             </a:fld>
             <a:endParaRPr lang="ko-KR" altLang="en-US"/>
           </a:p>
@@ -1610,7 +1608,7 @@
           <a:p>
             <a:fld id="{6EC29A49-11F5-4B93-A284-89926455DC1D}" type="datetimeFigureOut">
               <a:rPr lang="ko-KR" altLang="en-US" smtClean="0"/>
-              <a:t>2021-06-02</a:t>
+              <a:t>2021-06-04</a:t>
             </a:fld>
             <a:endParaRPr lang="ko-KR" altLang="en-US"/>
           </a:p>
@@ -1728,7 +1726,7 @@
           <a:p>
             <a:fld id="{6EC29A49-11F5-4B93-A284-89926455DC1D}" type="datetimeFigureOut">
               <a:rPr lang="ko-KR" altLang="en-US" smtClean="0"/>
-              <a:t>2021-06-02</a:t>
+              <a:t>2021-06-04</a:t>
             </a:fld>
             <a:endParaRPr lang="ko-KR" altLang="en-US"/>
           </a:p>
@@ -1823,7 +1821,7 @@
           <a:p>
             <a:fld id="{6EC29A49-11F5-4B93-A284-89926455DC1D}" type="datetimeFigureOut">
               <a:rPr lang="ko-KR" altLang="en-US" smtClean="0"/>
-              <a:t>2021-06-02</a:t>
+              <a:t>2021-06-04</a:t>
             </a:fld>
             <a:endParaRPr lang="ko-KR" altLang="en-US"/>
           </a:p>
@@ -2100,7 +2098,7 @@
           <a:p>
             <a:fld id="{6EC29A49-11F5-4B93-A284-89926455DC1D}" type="datetimeFigureOut">
               <a:rPr lang="ko-KR" altLang="en-US" smtClean="0"/>
-              <a:t>2021-06-02</a:t>
+              <a:t>2021-06-04</a:t>
             </a:fld>
             <a:endParaRPr lang="ko-KR" altLang="en-US"/>
           </a:p>
@@ -2353,7 +2351,7 @@
           <a:p>
             <a:fld id="{6EC29A49-11F5-4B93-A284-89926455DC1D}" type="datetimeFigureOut">
               <a:rPr lang="ko-KR" altLang="en-US" smtClean="0"/>
-              <a:t>2021-06-02</a:t>
+              <a:t>2021-06-04</a:t>
             </a:fld>
             <a:endParaRPr lang="ko-KR" altLang="en-US"/>
           </a:p>
@@ -2566,7 +2564,7 @@
           <a:p>
             <a:fld id="{6EC29A49-11F5-4B93-A284-89926455DC1D}" type="datetimeFigureOut">
               <a:rPr lang="ko-KR" altLang="en-US" smtClean="0"/>
-              <a:t>2021-06-02</a:t>
+              <a:t>2021-06-04</a:t>
             </a:fld>
             <a:endParaRPr lang="ko-KR" altLang="en-US"/>
           </a:p>
@@ -3217,8 +3215,8 @@
         </p:nvSpPr>
         <p:spPr>
           <a:xfrm>
-            <a:off x="3440139" y="1449700"/>
-            <a:ext cx="4568879" cy="369332"/>
+            <a:off x="5294665" y="1591114"/>
+            <a:ext cx="6143028" cy="523220"/>
           </a:xfrm>
           <a:prstGeom prst="rect">
             <a:avLst/>
@@ -3232,22 +3230,37 @@
           <a:lstStyle/>
           <a:p>
             <a:r>
-              <a:rPr lang="ko-KR" altLang="en-US" dirty="0" smtClean="0"/>
+              <a:rPr lang="ko-KR" altLang="en-US" sz="2800" dirty="0" smtClean="0">
+                <a:latin typeface="나눔바른고딕" panose="020B0603020101020101" pitchFamily="50" charset="-127"/>
+                <a:ea typeface="나눔바른고딕" panose="020B0603020101020101" pitchFamily="50" charset="-127"/>
+              </a:rPr>
               <a:t>누구나 쉽게 그림을 그리도록</a:t>
             </a:r>
             <a:r>
-              <a:rPr lang="en-US" altLang="ko-KR" dirty="0" smtClean="0"/>
+              <a:rPr lang="en-US" altLang="ko-KR" sz="2800" dirty="0" smtClean="0">
+                <a:latin typeface="나눔바른고딕" panose="020B0603020101020101" pitchFamily="50" charset="-127"/>
+                <a:ea typeface="나눔바른고딕" panose="020B0603020101020101" pitchFamily="50" charset="-127"/>
+              </a:rPr>
               <a:t>, </a:t>
             </a:r>
             <a:r>
-              <a:rPr lang="ko-KR" altLang="en-US" dirty="0" err="1" smtClean="0"/>
+              <a:rPr lang="ko-KR" altLang="en-US" sz="2800" dirty="0" err="1" smtClean="0">
+                <a:latin typeface="나눔바른고딕" panose="020B0603020101020101" pitchFamily="50" charset="-127"/>
+                <a:ea typeface="나눔바른고딕" panose="020B0603020101020101" pitchFamily="50" charset="-127"/>
+              </a:rPr>
               <a:t>피포</a:t>
             </a:r>
             <a:r>
-              <a:rPr lang="ko-KR" altLang="en-US" dirty="0" smtClean="0"/>
+              <a:rPr lang="ko-KR" altLang="en-US" sz="2800" dirty="0" smtClean="0">
+                <a:latin typeface="나눔바른고딕" panose="020B0603020101020101" pitchFamily="50" charset="-127"/>
+                <a:ea typeface="나눔바른고딕" panose="020B0603020101020101" pitchFamily="50" charset="-127"/>
+              </a:rPr>
               <a:t> 페인팅</a:t>
             </a:r>
-            <a:endParaRPr lang="ko-KR" altLang="en-US" dirty="0"/>
+            <a:endParaRPr lang="ko-KR" altLang="en-US" sz="2800" dirty="0">
+              <a:latin typeface="나눔바른고딕" panose="020B0603020101020101" pitchFamily="50" charset="-127"/>
+              <a:ea typeface="나눔바른고딕" panose="020B0603020101020101" pitchFamily="50" charset="-127"/>
+            </a:endParaRPr>
           </a:p>
         </p:txBody>
       </p:sp>
@@ -3259,8 +3272,8 @@
         </p:nvSpPr>
         <p:spPr>
           <a:xfrm>
-            <a:off x="3862170" y="2516500"/>
-            <a:ext cx="6603987" cy="307777"/>
+            <a:off x="5455397" y="2152680"/>
+            <a:ext cx="5947127" cy="307777"/>
           </a:xfrm>
           <a:prstGeom prst="rect">
             <a:avLst/>
@@ -3268,32 +3281,50 @@
           <a:noFill/>
         </p:spPr>
         <p:txBody>
-          <a:bodyPr wrap="none" rtlCol="0">
+          <a:bodyPr wrap="square" rtlCol="0">
             <a:spAutoFit/>
           </a:bodyPr>
           <a:lstStyle/>
           <a:p>
             <a:r>
-              <a:rPr lang="ko-KR" altLang="en-US" sz="1400" dirty="0" err="1" smtClean="0"/>
+              <a:rPr lang="ko-KR" altLang="en-US" sz="1400" dirty="0" err="1" smtClean="0">
+                <a:latin typeface="나눔바른고딕" panose="020B0603020101020101" pitchFamily="50" charset="-127"/>
+                <a:ea typeface="나눔바른고딕" panose="020B0603020101020101" pitchFamily="50" charset="-127"/>
+              </a:rPr>
               <a:t>피포</a:t>
             </a:r>
             <a:r>
-              <a:rPr lang="ko-KR" altLang="en-US" sz="1400" dirty="0" smtClean="0"/>
+              <a:rPr lang="ko-KR" altLang="en-US" sz="1400" dirty="0" smtClean="0">
+                <a:latin typeface="나눔바른고딕" panose="020B0603020101020101" pitchFamily="50" charset="-127"/>
+                <a:ea typeface="나눔바른고딕" panose="020B0603020101020101" pitchFamily="50" charset="-127"/>
+              </a:rPr>
               <a:t> 페인팅은 그림을 손쉽게 그릴 수 있는 </a:t>
             </a:r>
             <a:r>
-              <a:rPr lang="en-US" altLang="ko-KR" sz="1400" dirty="0" smtClean="0"/>
+              <a:rPr lang="en-US" altLang="ko-KR" sz="1400" dirty="0" smtClean="0">
+                <a:latin typeface="나눔바른고딕" panose="020B0603020101020101" pitchFamily="50" charset="-127"/>
+                <a:ea typeface="나눔바른고딕" panose="020B0603020101020101" pitchFamily="50" charset="-127"/>
+              </a:rPr>
               <a:t>DIY(Do It Yourself) </a:t>
             </a:r>
             <a:r>
-              <a:rPr lang="ko-KR" altLang="en-US" sz="1400" dirty="0" smtClean="0"/>
+              <a:rPr lang="ko-KR" altLang="en-US" sz="1400" dirty="0" smtClean="0">
+                <a:latin typeface="나눔바른고딕" panose="020B0603020101020101" pitchFamily="50" charset="-127"/>
+                <a:ea typeface="나눔바른고딕" panose="020B0603020101020101" pitchFamily="50" charset="-127"/>
+              </a:rPr>
               <a:t>그림 키트입니다</a:t>
             </a:r>
             <a:r>
-              <a:rPr lang="en-US" altLang="ko-KR" sz="1400" dirty="0" smtClean="0"/>
+              <a:rPr lang="en-US" altLang="ko-KR" sz="1400" dirty="0" smtClean="0">
+                <a:latin typeface="나눔바른고딕" panose="020B0603020101020101" pitchFamily="50" charset="-127"/>
+                <a:ea typeface="나눔바른고딕" panose="020B0603020101020101" pitchFamily="50" charset="-127"/>
+              </a:rPr>
               <a:t>.</a:t>
             </a:r>
-            <a:endParaRPr lang="ko-KR" altLang="en-US" sz="1400" dirty="0"/>
+            <a:endParaRPr lang="ko-KR" altLang="en-US" sz="1400" dirty="0">
+              <a:latin typeface="나눔바른고딕" panose="020B0603020101020101" pitchFamily="50" charset="-127"/>
+              <a:ea typeface="나눔바른고딕" panose="020B0603020101020101" pitchFamily="50" charset="-127"/>
+            </a:endParaRPr>
           </a:p>
         </p:txBody>
       </p:sp>
@@ -3305,8 +3336,8 @@
         </p:nvSpPr>
         <p:spPr>
           <a:xfrm>
-            <a:off x="3941135" y="3588158"/>
-            <a:ext cx="7976864" cy="523220"/>
+            <a:off x="5455398" y="2595162"/>
+            <a:ext cx="5810480" cy="1061829"/>
           </a:xfrm>
           <a:prstGeom prst="rect">
             <a:avLst/>
@@ -3314,54 +3345,132 @@
           <a:noFill/>
         </p:spPr>
         <p:txBody>
-          <a:bodyPr wrap="none" rtlCol="0">
+          <a:bodyPr wrap="square" rtlCol="0">
             <a:spAutoFit/>
           </a:bodyPr>
           <a:lstStyle/>
           <a:p>
-            <a:r>
-              <a:rPr lang="ko-KR" altLang="en-US" sz="1400" dirty="0" smtClean="0"/>
-              <a:t>실제 이미지나 유명 화가의 명화를 배경으로 </a:t>
-            </a:r>
-            <a:r>
-              <a:rPr lang="ko-KR" altLang="en-US" sz="1400" dirty="0" err="1" smtClean="0"/>
+            <a:pPr>
+              <a:lnSpc>
+                <a:spcPct val="150000"/>
+              </a:lnSpc>
+            </a:pPr>
+            <a:r>
+              <a:rPr lang="ko-KR" altLang="en-US" sz="1400" dirty="0" smtClean="0">
+                <a:latin typeface="나눔바른고딕" panose="020B0603020101020101" pitchFamily="50" charset="-127"/>
+                <a:ea typeface="나눔바른고딕" panose="020B0603020101020101" pitchFamily="50" charset="-127"/>
+              </a:rPr>
+              <a:t>실제 </a:t>
+            </a:r>
+            <a:r>
+              <a:rPr lang="ko-KR" altLang="en-US" sz="1400" dirty="0" smtClean="0">
+                <a:latin typeface="나눔바른고딕" panose="020B0603020101020101" pitchFamily="50" charset="-127"/>
+                <a:ea typeface="나눔바른고딕" panose="020B0603020101020101" pitchFamily="50" charset="-127"/>
+              </a:rPr>
+              <a:t>이미지나 유명 화가의 명화를 배경으로 </a:t>
+            </a:r>
+            <a:r>
+              <a:rPr lang="ko-KR" altLang="en-US" sz="1400" dirty="0" err="1" smtClean="0">
+                <a:latin typeface="나눔바른고딕" panose="020B0603020101020101" pitchFamily="50" charset="-127"/>
+                <a:ea typeface="나눔바른고딕" panose="020B0603020101020101" pitchFamily="50" charset="-127"/>
+              </a:rPr>
               <a:t>색칠놀이와</a:t>
             </a:r>
             <a:r>
-              <a:rPr lang="ko-KR" altLang="en-US" sz="1400" dirty="0" smtClean="0"/>
-              <a:t> 비슷하게 선이 </a:t>
-            </a:r>
-            <a:r>
-              <a:rPr lang="ko-KR" altLang="en-US" sz="1400" dirty="0" err="1" smtClean="0"/>
-              <a:t>그러져있습니다</a:t>
-            </a:r>
-            <a:r>
-              <a:rPr lang="en-US" altLang="ko-KR" sz="1400" dirty="0" smtClean="0"/>
+              <a:rPr lang="ko-KR" altLang="en-US" sz="1400" dirty="0" smtClean="0">
+                <a:latin typeface="나눔바른고딕" panose="020B0603020101020101" pitchFamily="50" charset="-127"/>
+                <a:ea typeface="나눔바른고딕" panose="020B0603020101020101" pitchFamily="50" charset="-127"/>
+              </a:rPr>
+              <a:t> </a:t>
+            </a:r>
+            <a:r>
+              <a:rPr lang="ko-KR" altLang="en-US" sz="1400" dirty="0" smtClean="0">
+                <a:latin typeface="나눔바른고딕" panose="020B0603020101020101" pitchFamily="50" charset="-127"/>
+                <a:ea typeface="나눔바른고딕" panose="020B0603020101020101" pitchFamily="50" charset="-127"/>
+              </a:rPr>
+              <a:t>같이 </a:t>
+            </a:r>
+            <a:r>
+              <a:rPr lang="ko-KR" altLang="en-US" sz="1400" dirty="0" smtClean="0">
+                <a:latin typeface="나눔바른고딕" panose="020B0603020101020101" pitchFamily="50" charset="-127"/>
+                <a:ea typeface="나눔바른고딕" panose="020B0603020101020101" pitchFamily="50" charset="-127"/>
+              </a:rPr>
+              <a:t>선이 </a:t>
+            </a:r>
+            <a:r>
+              <a:rPr lang="ko-KR" altLang="en-US" sz="1400" dirty="0" err="1" smtClean="0">
+                <a:latin typeface="나눔바른고딕" panose="020B0603020101020101" pitchFamily="50" charset="-127"/>
+                <a:ea typeface="나눔바른고딕" panose="020B0603020101020101" pitchFamily="50" charset="-127"/>
+              </a:rPr>
+              <a:t>그러져있는</a:t>
+            </a:r>
+            <a:r>
+              <a:rPr lang="ko-KR" altLang="en-US" sz="1400" dirty="0" smtClean="0">
+                <a:latin typeface="나눔바른고딕" panose="020B0603020101020101" pitchFamily="50" charset="-127"/>
+                <a:ea typeface="나눔바른고딕" panose="020B0603020101020101" pitchFamily="50" charset="-127"/>
+              </a:rPr>
+              <a:t> 캔버스입니다</a:t>
+            </a:r>
+            <a:r>
+              <a:rPr lang="en-US" altLang="ko-KR" sz="1400" dirty="0" smtClean="0">
+                <a:latin typeface="나눔바른고딕" panose="020B0603020101020101" pitchFamily="50" charset="-127"/>
+                <a:ea typeface="나눔바른고딕" panose="020B0603020101020101" pitchFamily="50" charset="-127"/>
+              </a:rPr>
               <a:t>.</a:t>
             </a:r>
-          </a:p>
-          <a:p>
-            <a:r>
-              <a:rPr lang="ko-KR" altLang="en-US" sz="1400" dirty="0" smtClean="0"/>
-              <a:t>그려진 선 내부에 번호가 </a:t>
-            </a:r>
-            <a:r>
-              <a:rPr lang="ko-KR" altLang="en-US" sz="1400" dirty="0" err="1" smtClean="0"/>
+            <a:r>
+              <a:rPr lang="en-US" altLang="ko-KR" sz="1400" dirty="0">
+                <a:latin typeface="나눔바른고딕" panose="020B0603020101020101" pitchFamily="50" charset="-127"/>
+                <a:ea typeface="나눔바른고딕" panose="020B0603020101020101" pitchFamily="50" charset="-127"/>
+              </a:rPr>
+              <a:t> </a:t>
+            </a:r>
+            <a:r>
+              <a:rPr lang="ko-KR" altLang="en-US" sz="1400" dirty="0" smtClean="0">
+                <a:latin typeface="나눔바른고딕" panose="020B0603020101020101" pitchFamily="50" charset="-127"/>
+                <a:ea typeface="나눔바른고딕" panose="020B0603020101020101" pitchFamily="50" charset="-127"/>
+              </a:rPr>
+              <a:t>그려진 </a:t>
+            </a:r>
+            <a:r>
+              <a:rPr lang="ko-KR" altLang="en-US" sz="1400" dirty="0" smtClean="0">
+                <a:latin typeface="나눔바른고딕" panose="020B0603020101020101" pitchFamily="50" charset="-127"/>
+                <a:ea typeface="나눔바른고딕" panose="020B0603020101020101" pitchFamily="50" charset="-127"/>
+              </a:rPr>
+              <a:t>선 내부에 번호가 </a:t>
+            </a:r>
+            <a:r>
+              <a:rPr lang="ko-KR" altLang="en-US" sz="1400" dirty="0" err="1" smtClean="0">
+                <a:latin typeface="나눔바른고딕" panose="020B0603020101020101" pitchFamily="50" charset="-127"/>
+                <a:ea typeface="나눔바른고딕" panose="020B0603020101020101" pitchFamily="50" charset="-127"/>
+              </a:rPr>
               <a:t>쓰여져있고</a:t>
             </a:r>
             <a:r>
-              <a:rPr lang="en-US" altLang="ko-KR" sz="1400" dirty="0" smtClean="0"/>
+              <a:rPr lang="en-US" altLang="ko-KR" sz="1400" dirty="0" smtClean="0">
+                <a:latin typeface="나눔바른고딕" panose="020B0603020101020101" pitchFamily="50" charset="-127"/>
+                <a:ea typeface="나눔바른고딕" panose="020B0603020101020101" pitchFamily="50" charset="-127"/>
+              </a:rPr>
               <a:t>, </a:t>
             </a:r>
             <a:r>
-              <a:rPr lang="ko-KR" altLang="en-US" sz="1400" dirty="0" smtClean="0"/>
+              <a:rPr lang="ko-KR" altLang="en-US" sz="1400" dirty="0" smtClean="0">
+                <a:latin typeface="나눔바른고딕" panose="020B0603020101020101" pitchFamily="50" charset="-127"/>
+                <a:ea typeface="나눔바른고딕" panose="020B0603020101020101" pitchFamily="50" charset="-127"/>
+              </a:rPr>
               <a:t>그 번호에 맞는 물감을 칠해주면 하나의 그림이 완성됩니다</a:t>
             </a:r>
             <a:r>
-              <a:rPr lang="en-US" altLang="ko-KR" sz="1400" dirty="0" smtClean="0"/>
+              <a:rPr lang="en-US" altLang="ko-KR" sz="1400" dirty="0" smtClean="0">
+                <a:latin typeface="나눔바른고딕" panose="020B0603020101020101" pitchFamily="50" charset="-127"/>
+                <a:ea typeface="나눔바른고딕" panose="020B0603020101020101" pitchFamily="50" charset="-127"/>
+              </a:rPr>
               <a:t>.</a:t>
             </a:r>
-            <a:endParaRPr lang="ko-KR" altLang="en-US" sz="1400" dirty="0"/>
+            <a:endParaRPr lang="ko-KR" altLang="en-US" sz="1400" dirty="0">
+              <a:latin typeface="나눔바른고딕" panose="020B0603020101020101" pitchFamily="50" charset="-127"/>
+              <a:ea typeface="나눔바른고딕" panose="020B0603020101020101" pitchFamily="50" charset="-127"/>
+            </a:endParaRPr>
           </a:p>
         </p:txBody>
       </p:sp>
@@ -3381,8 +3490,8 @@
         </p:blipFill>
         <p:spPr>
           <a:xfrm>
-            <a:off x="516450" y="1436058"/>
-            <a:ext cx="4021491" cy="4026896"/>
+            <a:off x="447822" y="1591113"/>
+            <a:ext cx="4417256" cy="4423193"/>
           </a:xfrm>
           <a:prstGeom prst="rect">
             <a:avLst/>
@@ -3393,670 +3502,6 @@
     <p:extLst>
       <p:ext uri="{BB962C8B-B14F-4D97-AF65-F5344CB8AC3E}">
         <p14:creationId xmlns:p14="http://schemas.microsoft.com/office/powerpoint/2010/main" val="303499340"/>
-      </p:ext>
-    </p:extLst>
-  </p:cSld>
-  <p:clrMapOvr>
-    <a:masterClrMapping/>
-  </p:clrMapOvr>
-  <p:timing>
-    <p:tnLst>
-      <p:par>
-        <p:cTn id="1" dur="indefinite" restart="never" nodeType="tmRoot"/>
-      </p:par>
-    </p:tnLst>
-  </p:timing>
-</p:sld>
-</file>
-
-<file path=ppt/slides/slide2.xml><?xml version="1.0" encoding="utf-8"?>
-<p:sld xmlns:a="http://schemas.openxmlformats.org/drawingml/2006/main" xmlns:r="http://schemas.openxmlformats.org/officeDocument/2006/relationships" xmlns:p="http://schemas.openxmlformats.org/presentationml/2006/main">
-  <p:cSld>
-    <p:spTree>
-      <p:nvGrpSpPr>
-        <p:cNvPr id="1" name=""/>
-        <p:cNvGrpSpPr/>
-        <p:nvPr/>
-      </p:nvGrpSpPr>
-      <p:grpSpPr>
-        <a:xfrm>
-          <a:off x="0" y="0"/>
-          <a:ext cx="0" cy="0"/>
-          <a:chOff x="0" y="0"/>
-          <a:chExt cx="0" cy="0"/>
-        </a:xfrm>
-      </p:grpSpPr>
-      <p:sp>
-        <p:nvSpPr>
-          <p:cNvPr id="7" name="직사각형 6"/>
-          <p:cNvSpPr/>
-          <p:nvPr/>
-        </p:nvSpPr>
-        <p:spPr>
-          <a:xfrm>
-            <a:off x="365760" y="326905"/>
-            <a:ext cx="518160" cy="526535"/>
-          </a:xfrm>
-          <a:prstGeom prst="rect">
-            <a:avLst/>
-          </a:prstGeom>
-          <a:noFill/>
-        </p:spPr>
-        <p:style>
-          <a:lnRef idx="2">
-            <a:schemeClr val="accent1">
-              <a:shade val="50000"/>
-            </a:schemeClr>
-          </a:lnRef>
-          <a:fillRef idx="1">
-            <a:schemeClr val="accent1"/>
-          </a:fillRef>
-          <a:effectRef idx="0">
-            <a:schemeClr val="accent1"/>
-          </a:effectRef>
-          <a:fontRef idx="minor">
-            <a:schemeClr val="lt1"/>
-          </a:fontRef>
-        </p:style>
-        <p:txBody>
-          <a:bodyPr rtlCol="0" anchor="ctr"/>
-          <a:lstStyle/>
-          <a:p>
-            <a:pPr algn="ctr"/>
-            <a:r>
-              <a:rPr lang="en-US" altLang="ko-KR" sz="1100" dirty="0" smtClean="0">
-                <a:solidFill>
-                  <a:schemeClr val="tx1"/>
-                </a:solidFill>
-              </a:rPr>
-              <a:t>Logo</a:t>
-            </a:r>
-            <a:endParaRPr lang="ko-KR" altLang="en-US" sz="1100" dirty="0">
-              <a:solidFill>
-                <a:schemeClr val="tx1"/>
-              </a:solidFill>
-            </a:endParaRPr>
-          </a:p>
-        </p:txBody>
-      </p:sp>
-      <p:sp>
-        <p:nvSpPr>
-          <p:cNvPr id="8" name="TextBox 7"/>
-          <p:cNvSpPr txBox="1"/>
-          <p:nvPr/>
-        </p:nvSpPr>
-        <p:spPr>
-          <a:xfrm>
-            <a:off x="1008819" y="326905"/>
-            <a:ext cx="1871025" cy="584775"/>
-          </a:xfrm>
-          <a:prstGeom prst="rect">
-            <a:avLst/>
-          </a:prstGeom>
-          <a:noFill/>
-        </p:spPr>
-        <p:txBody>
-          <a:bodyPr wrap="none" rtlCol="0">
-            <a:spAutoFit/>
-          </a:bodyPr>
-          <a:lstStyle/>
-          <a:p>
-            <a:r>
-              <a:rPr lang="en-US" altLang="ko-KR" sz="3200" b="1" dirty="0" smtClean="0">
-                <a:latin typeface="Pangolin" panose="00000500000000000000" pitchFamily="2" charset="0"/>
-              </a:rPr>
-              <a:t>Easy PIPO</a:t>
-            </a:r>
-            <a:endParaRPr lang="ko-KR" altLang="en-US" sz="3200" b="1" dirty="0">
-              <a:latin typeface="Pangolin" panose="00000500000000000000" pitchFamily="2" charset="0"/>
-            </a:endParaRPr>
-          </a:p>
-        </p:txBody>
-      </p:sp>
-      <p:cxnSp>
-        <p:nvCxnSpPr>
-          <p:cNvPr id="13" name="직선 연결선 12"/>
-          <p:cNvCxnSpPr/>
-          <p:nvPr/>
-        </p:nvCxnSpPr>
-        <p:spPr>
-          <a:xfrm>
-            <a:off x="365760" y="990600"/>
-            <a:ext cx="11349990" cy="0"/>
-          </a:xfrm>
-          <a:prstGeom prst="line">
-            <a:avLst/>
-          </a:prstGeom>
-          <a:ln w="9525">
-            <a:solidFill>
-              <a:schemeClr val="bg2">
-                <a:lumMod val="50000"/>
-              </a:schemeClr>
-            </a:solidFill>
-          </a:ln>
-        </p:spPr>
-        <p:style>
-          <a:lnRef idx="1">
-            <a:schemeClr val="accent1"/>
-          </a:lnRef>
-          <a:fillRef idx="0">
-            <a:schemeClr val="accent1"/>
-          </a:fillRef>
-          <a:effectRef idx="0">
-            <a:schemeClr val="accent1"/>
-          </a:effectRef>
-          <a:fontRef idx="minor">
-            <a:schemeClr val="tx1"/>
-          </a:fontRef>
-        </p:style>
-      </p:cxnSp>
-      <p:sp>
-        <p:nvSpPr>
-          <p:cNvPr id="15" name="TextBox 14"/>
-          <p:cNvSpPr txBox="1"/>
-          <p:nvPr/>
-        </p:nvSpPr>
-        <p:spPr>
-          <a:xfrm>
-            <a:off x="7055172" y="545663"/>
-            <a:ext cx="1086056" cy="307777"/>
-          </a:xfrm>
-          <a:prstGeom prst="rect">
-            <a:avLst/>
-          </a:prstGeom>
-          <a:noFill/>
-        </p:spPr>
-        <p:txBody>
-          <a:bodyPr wrap="square" rtlCol="0">
-            <a:spAutoFit/>
-          </a:bodyPr>
-          <a:lstStyle/>
-          <a:p>
-            <a:r>
-              <a:rPr lang="en-US" altLang="ko-KR" sz="1400" dirty="0" smtClean="0">
-                <a:latin typeface="Pangolin" panose="00000500000000000000" pitchFamily="2" charset="0"/>
-              </a:rPr>
-              <a:t>How to Use?</a:t>
-            </a:r>
-            <a:endParaRPr lang="ko-KR" altLang="en-US" sz="1400" dirty="0">
-              <a:latin typeface="Pangolin" panose="00000500000000000000" pitchFamily="2" charset="0"/>
-            </a:endParaRPr>
-          </a:p>
-        </p:txBody>
-      </p:sp>
-      <p:sp>
-        <p:nvSpPr>
-          <p:cNvPr id="16" name="TextBox 15"/>
-          <p:cNvSpPr txBox="1"/>
-          <p:nvPr/>
-        </p:nvSpPr>
-        <p:spPr>
-          <a:xfrm>
-            <a:off x="8303398" y="545663"/>
-            <a:ext cx="1837461" cy="307777"/>
-          </a:xfrm>
-          <a:prstGeom prst="rect">
-            <a:avLst/>
-          </a:prstGeom>
-          <a:noFill/>
-        </p:spPr>
-        <p:txBody>
-          <a:bodyPr wrap="square" rtlCol="0">
-            <a:spAutoFit/>
-          </a:bodyPr>
-          <a:lstStyle/>
-          <a:p>
-            <a:r>
-              <a:rPr lang="en-US" altLang="ko-KR" sz="1400" dirty="0" smtClean="0">
-                <a:latin typeface="Pangolin" panose="00000500000000000000" pitchFamily="2" charset="0"/>
-              </a:rPr>
-              <a:t>What is </a:t>
-            </a:r>
-            <a:r>
-              <a:rPr lang="en-US" altLang="ko-KR" sz="1400" dirty="0" err="1" smtClean="0">
-                <a:latin typeface="Pangolin" panose="00000500000000000000" pitchFamily="2" charset="0"/>
-              </a:rPr>
-              <a:t>Pipo</a:t>
-            </a:r>
-            <a:r>
-              <a:rPr lang="en-US" altLang="ko-KR" sz="1400" dirty="0" smtClean="0">
-                <a:latin typeface="Pangolin" panose="00000500000000000000" pitchFamily="2" charset="0"/>
-              </a:rPr>
-              <a:t> Painting?</a:t>
-            </a:r>
-            <a:endParaRPr lang="ko-KR" altLang="en-US" sz="1400" dirty="0">
-              <a:latin typeface="Pangolin" panose="00000500000000000000" pitchFamily="2" charset="0"/>
-            </a:endParaRPr>
-          </a:p>
-        </p:txBody>
-      </p:sp>
-      <p:sp>
-        <p:nvSpPr>
-          <p:cNvPr id="17" name="TextBox 16"/>
-          <p:cNvSpPr txBox="1"/>
-          <p:nvPr/>
-        </p:nvSpPr>
-        <p:spPr>
-          <a:xfrm>
-            <a:off x="10188896" y="545663"/>
-            <a:ext cx="1526854" cy="307777"/>
-          </a:xfrm>
-          <a:prstGeom prst="rect">
-            <a:avLst/>
-          </a:prstGeom>
-          <a:noFill/>
-        </p:spPr>
-        <p:txBody>
-          <a:bodyPr wrap="square" rtlCol="0">
-            <a:spAutoFit/>
-          </a:bodyPr>
-          <a:lstStyle/>
-          <a:p>
-            <a:r>
-              <a:rPr lang="en-US" altLang="ko-KR" sz="1400" dirty="0" smtClean="0">
-                <a:latin typeface="Pangolin" panose="00000500000000000000" pitchFamily="2" charset="0"/>
-              </a:rPr>
-              <a:t>My Color Setting</a:t>
-            </a:r>
-            <a:endParaRPr lang="ko-KR" altLang="en-US" sz="1400" dirty="0">
-              <a:latin typeface="Pangolin" panose="00000500000000000000" pitchFamily="2" charset="0"/>
-            </a:endParaRPr>
-          </a:p>
-        </p:txBody>
-      </p:sp>
-      <p:pic>
-        <p:nvPicPr>
-          <p:cNvPr id="9" name="그림 8"/>
-          <p:cNvPicPr>
-            <a:picLocks noChangeAspect="1"/>
-          </p:cNvPicPr>
-          <p:nvPr/>
-        </p:nvPicPr>
-        <p:blipFill>
-          <a:blip r:embed="rId2" cstate="print">
-            <a:extLst>
-              <a:ext uri="{28A0092B-C50C-407E-A947-70E740481C1C}">
-                <a14:useLocalDpi xmlns:a14="http://schemas.microsoft.com/office/drawing/2010/main" val="0"/>
-              </a:ext>
-            </a:extLst>
-          </a:blip>
-          <a:stretch>
-            <a:fillRect/>
-          </a:stretch>
-        </p:blipFill>
-        <p:spPr>
-          <a:xfrm>
-            <a:off x="7173135" y="2121877"/>
-            <a:ext cx="3015761" cy="4021015"/>
-          </a:xfrm>
-          <a:prstGeom prst="rect">
-            <a:avLst/>
-          </a:prstGeom>
-        </p:spPr>
-      </p:pic>
-      <p:pic>
-        <p:nvPicPr>
-          <p:cNvPr id="2" name="그림 1"/>
-          <p:cNvPicPr>
-            <a:picLocks noChangeAspect="1"/>
-          </p:cNvPicPr>
-          <p:nvPr/>
-        </p:nvPicPr>
-        <p:blipFill>
-          <a:blip r:embed="rId3"/>
-          <a:stretch>
-            <a:fillRect/>
-          </a:stretch>
-        </p:blipFill>
-        <p:spPr>
-          <a:xfrm>
-            <a:off x="1008819" y="911680"/>
-            <a:ext cx="4298423" cy="4304200"/>
-          </a:xfrm>
-          <a:prstGeom prst="rect">
-            <a:avLst/>
-          </a:prstGeom>
-        </p:spPr>
-      </p:pic>
-      <p:pic>
-        <p:nvPicPr>
-          <p:cNvPr id="10" name="그림 9"/>
-          <p:cNvPicPr>
-            <a:picLocks noChangeAspect="1"/>
-          </p:cNvPicPr>
-          <p:nvPr/>
-        </p:nvPicPr>
-        <p:blipFill>
-          <a:blip r:embed="rId4" cstate="print">
-            <a:extLst>
-              <a:ext uri="{28A0092B-C50C-407E-A947-70E740481C1C}">
-                <a14:useLocalDpi xmlns:a14="http://schemas.microsoft.com/office/drawing/2010/main" val="0"/>
-              </a:ext>
-            </a:extLst>
-          </a:blip>
-          <a:stretch>
-            <a:fillRect/>
-          </a:stretch>
-        </p:blipFill>
-        <p:spPr>
-          <a:xfrm>
-            <a:off x="4015393" y="2410069"/>
-            <a:ext cx="2583698" cy="3444630"/>
-          </a:xfrm>
-          <a:prstGeom prst="rect">
-            <a:avLst/>
-          </a:prstGeom>
-        </p:spPr>
-      </p:pic>
-    </p:spTree>
-    <p:extLst>
-      <p:ext uri="{BB962C8B-B14F-4D97-AF65-F5344CB8AC3E}">
-        <p14:creationId xmlns:p14="http://schemas.microsoft.com/office/powerpoint/2010/main" val="3077989733"/>
-      </p:ext>
-    </p:extLst>
-  </p:cSld>
-  <p:clrMapOvr>
-    <a:masterClrMapping/>
-  </p:clrMapOvr>
-  <p:timing>
-    <p:tnLst>
-      <p:par>
-        <p:cTn id="1" dur="indefinite" restart="never" nodeType="tmRoot"/>
-      </p:par>
-    </p:tnLst>
-  </p:timing>
-</p:sld>
-</file>
-
-<file path=ppt/slides/slide3.xml><?xml version="1.0" encoding="utf-8"?>
-<p:sld xmlns:a="http://schemas.openxmlformats.org/drawingml/2006/main" xmlns:r="http://schemas.openxmlformats.org/officeDocument/2006/relationships" xmlns:p="http://schemas.openxmlformats.org/presentationml/2006/main">
-  <p:cSld>
-    <p:spTree>
-      <p:nvGrpSpPr>
-        <p:cNvPr id="1" name=""/>
-        <p:cNvGrpSpPr/>
-        <p:nvPr/>
-      </p:nvGrpSpPr>
-      <p:grpSpPr>
-        <a:xfrm>
-          <a:off x="0" y="0"/>
-          <a:ext cx="0" cy="0"/>
-          <a:chOff x="0" y="0"/>
-          <a:chExt cx="0" cy="0"/>
-        </a:xfrm>
-      </p:grpSpPr>
-      <p:sp>
-        <p:nvSpPr>
-          <p:cNvPr id="7" name="직사각형 6"/>
-          <p:cNvSpPr/>
-          <p:nvPr/>
-        </p:nvSpPr>
-        <p:spPr>
-          <a:xfrm>
-            <a:off x="365760" y="326905"/>
-            <a:ext cx="518160" cy="526535"/>
-          </a:xfrm>
-          <a:prstGeom prst="rect">
-            <a:avLst/>
-          </a:prstGeom>
-          <a:noFill/>
-        </p:spPr>
-        <p:style>
-          <a:lnRef idx="2">
-            <a:schemeClr val="accent1">
-              <a:shade val="50000"/>
-            </a:schemeClr>
-          </a:lnRef>
-          <a:fillRef idx="1">
-            <a:schemeClr val="accent1"/>
-          </a:fillRef>
-          <a:effectRef idx="0">
-            <a:schemeClr val="accent1"/>
-          </a:effectRef>
-          <a:fontRef idx="minor">
-            <a:schemeClr val="lt1"/>
-          </a:fontRef>
-        </p:style>
-        <p:txBody>
-          <a:bodyPr rtlCol="0" anchor="ctr"/>
-          <a:lstStyle/>
-          <a:p>
-            <a:pPr algn="ctr"/>
-            <a:r>
-              <a:rPr lang="en-US" altLang="ko-KR" sz="1100" dirty="0" smtClean="0">
-                <a:solidFill>
-                  <a:schemeClr val="tx1"/>
-                </a:solidFill>
-              </a:rPr>
-              <a:t>Logo</a:t>
-            </a:r>
-            <a:endParaRPr lang="ko-KR" altLang="en-US" sz="1100" dirty="0">
-              <a:solidFill>
-                <a:schemeClr val="tx1"/>
-              </a:solidFill>
-            </a:endParaRPr>
-          </a:p>
-        </p:txBody>
-      </p:sp>
-      <p:sp>
-        <p:nvSpPr>
-          <p:cNvPr id="8" name="TextBox 7"/>
-          <p:cNvSpPr txBox="1"/>
-          <p:nvPr/>
-        </p:nvSpPr>
-        <p:spPr>
-          <a:xfrm>
-            <a:off x="1008819" y="326905"/>
-            <a:ext cx="1871025" cy="584775"/>
-          </a:xfrm>
-          <a:prstGeom prst="rect">
-            <a:avLst/>
-          </a:prstGeom>
-          <a:noFill/>
-        </p:spPr>
-        <p:txBody>
-          <a:bodyPr wrap="none" rtlCol="0">
-            <a:spAutoFit/>
-          </a:bodyPr>
-          <a:lstStyle/>
-          <a:p>
-            <a:r>
-              <a:rPr lang="en-US" altLang="ko-KR" sz="3200" b="1" dirty="0" smtClean="0">
-                <a:latin typeface="Pangolin" panose="00000500000000000000" pitchFamily="2" charset="0"/>
-              </a:rPr>
-              <a:t>Easy PIPO</a:t>
-            </a:r>
-            <a:endParaRPr lang="ko-KR" altLang="en-US" sz="3200" b="1" dirty="0">
-              <a:latin typeface="Pangolin" panose="00000500000000000000" pitchFamily="2" charset="0"/>
-            </a:endParaRPr>
-          </a:p>
-        </p:txBody>
-      </p:sp>
-      <p:cxnSp>
-        <p:nvCxnSpPr>
-          <p:cNvPr id="13" name="직선 연결선 12"/>
-          <p:cNvCxnSpPr/>
-          <p:nvPr/>
-        </p:nvCxnSpPr>
-        <p:spPr>
-          <a:xfrm>
-            <a:off x="365760" y="990600"/>
-            <a:ext cx="11349990" cy="0"/>
-          </a:xfrm>
-          <a:prstGeom prst="line">
-            <a:avLst/>
-          </a:prstGeom>
-          <a:ln w="9525">
-            <a:solidFill>
-              <a:schemeClr val="bg2">
-                <a:lumMod val="50000"/>
-              </a:schemeClr>
-            </a:solidFill>
-          </a:ln>
-        </p:spPr>
-        <p:style>
-          <a:lnRef idx="1">
-            <a:schemeClr val="accent1"/>
-          </a:lnRef>
-          <a:fillRef idx="0">
-            <a:schemeClr val="accent1"/>
-          </a:fillRef>
-          <a:effectRef idx="0">
-            <a:schemeClr val="accent1"/>
-          </a:effectRef>
-          <a:fontRef idx="minor">
-            <a:schemeClr val="tx1"/>
-          </a:fontRef>
-        </p:style>
-      </p:cxnSp>
-      <p:sp>
-        <p:nvSpPr>
-          <p:cNvPr id="15" name="TextBox 14"/>
-          <p:cNvSpPr txBox="1"/>
-          <p:nvPr/>
-        </p:nvSpPr>
-        <p:spPr>
-          <a:xfrm>
-            <a:off x="7055172" y="545663"/>
-            <a:ext cx="1086056" cy="307777"/>
-          </a:xfrm>
-          <a:prstGeom prst="rect">
-            <a:avLst/>
-          </a:prstGeom>
-          <a:noFill/>
-        </p:spPr>
-        <p:txBody>
-          <a:bodyPr wrap="square" rtlCol="0">
-            <a:spAutoFit/>
-          </a:bodyPr>
-          <a:lstStyle/>
-          <a:p>
-            <a:r>
-              <a:rPr lang="en-US" altLang="ko-KR" sz="1400" dirty="0" smtClean="0">
-                <a:latin typeface="Pangolin" panose="00000500000000000000" pitchFamily="2" charset="0"/>
-              </a:rPr>
-              <a:t>How to Use?</a:t>
-            </a:r>
-            <a:endParaRPr lang="ko-KR" altLang="en-US" sz="1400" dirty="0">
-              <a:latin typeface="Pangolin" panose="00000500000000000000" pitchFamily="2" charset="0"/>
-            </a:endParaRPr>
-          </a:p>
-        </p:txBody>
-      </p:sp>
-      <p:sp>
-        <p:nvSpPr>
-          <p:cNvPr id="16" name="TextBox 15"/>
-          <p:cNvSpPr txBox="1"/>
-          <p:nvPr/>
-        </p:nvSpPr>
-        <p:spPr>
-          <a:xfrm>
-            <a:off x="8303398" y="545663"/>
-            <a:ext cx="1837461" cy="307777"/>
-          </a:xfrm>
-          <a:prstGeom prst="rect">
-            <a:avLst/>
-          </a:prstGeom>
-          <a:noFill/>
-        </p:spPr>
-        <p:txBody>
-          <a:bodyPr wrap="square" rtlCol="0">
-            <a:spAutoFit/>
-          </a:bodyPr>
-          <a:lstStyle/>
-          <a:p>
-            <a:r>
-              <a:rPr lang="en-US" altLang="ko-KR" sz="1400" dirty="0" smtClean="0">
-                <a:latin typeface="Pangolin" panose="00000500000000000000" pitchFamily="2" charset="0"/>
-              </a:rPr>
-              <a:t>What is </a:t>
-            </a:r>
-            <a:r>
-              <a:rPr lang="en-US" altLang="ko-KR" sz="1400" dirty="0" err="1" smtClean="0">
-                <a:latin typeface="Pangolin" panose="00000500000000000000" pitchFamily="2" charset="0"/>
-              </a:rPr>
-              <a:t>Pipo</a:t>
-            </a:r>
-            <a:r>
-              <a:rPr lang="en-US" altLang="ko-KR" sz="1400" dirty="0" smtClean="0">
-                <a:latin typeface="Pangolin" panose="00000500000000000000" pitchFamily="2" charset="0"/>
-              </a:rPr>
-              <a:t> Painting?</a:t>
-            </a:r>
-            <a:endParaRPr lang="ko-KR" altLang="en-US" sz="1400" dirty="0">
-              <a:latin typeface="Pangolin" panose="00000500000000000000" pitchFamily="2" charset="0"/>
-            </a:endParaRPr>
-          </a:p>
-        </p:txBody>
-      </p:sp>
-      <p:sp>
-        <p:nvSpPr>
-          <p:cNvPr id="17" name="TextBox 16"/>
-          <p:cNvSpPr txBox="1"/>
-          <p:nvPr/>
-        </p:nvSpPr>
-        <p:spPr>
-          <a:xfrm>
-            <a:off x="10188896" y="545663"/>
-            <a:ext cx="1526854" cy="307777"/>
-          </a:xfrm>
-          <a:prstGeom prst="rect">
-            <a:avLst/>
-          </a:prstGeom>
-          <a:noFill/>
-        </p:spPr>
-        <p:txBody>
-          <a:bodyPr wrap="square" rtlCol="0">
-            <a:spAutoFit/>
-          </a:bodyPr>
-          <a:lstStyle/>
-          <a:p>
-            <a:r>
-              <a:rPr lang="en-US" altLang="ko-KR" sz="1400" dirty="0" smtClean="0">
-                <a:latin typeface="Pangolin" panose="00000500000000000000" pitchFamily="2" charset="0"/>
-              </a:rPr>
-              <a:t>My Color Setting</a:t>
-            </a:r>
-            <a:endParaRPr lang="ko-KR" altLang="en-US" sz="1400" dirty="0">
-              <a:latin typeface="Pangolin" panose="00000500000000000000" pitchFamily="2" charset="0"/>
-            </a:endParaRPr>
-          </a:p>
-        </p:txBody>
-      </p:sp>
-      <p:pic>
-        <p:nvPicPr>
-          <p:cNvPr id="2" name="그림 1"/>
-          <p:cNvPicPr>
-            <a:picLocks noChangeAspect="1"/>
-          </p:cNvPicPr>
-          <p:nvPr/>
-        </p:nvPicPr>
-        <p:blipFill>
-          <a:blip r:embed="rId2" cstate="print">
-            <a:extLst>
-              <a:ext uri="{28A0092B-C50C-407E-A947-70E740481C1C}">
-                <a14:useLocalDpi xmlns:a14="http://schemas.microsoft.com/office/drawing/2010/main" val="0"/>
-              </a:ext>
-            </a:extLst>
-          </a:blip>
-          <a:stretch>
-            <a:fillRect/>
-          </a:stretch>
-        </p:blipFill>
-        <p:spPr>
-          <a:xfrm>
-            <a:off x="1488830" y="1477107"/>
-            <a:ext cx="6267939" cy="4700954"/>
-          </a:xfrm>
-          <a:prstGeom prst="rect">
-            <a:avLst/>
-          </a:prstGeom>
-        </p:spPr>
-      </p:pic>
-    </p:spTree>
-    <p:extLst>
-      <p:ext uri="{BB962C8B-B14F-4D97-AF65-F5344CB8AC3E}">
-        <p14:creationId xmlns:p14="http://schemas.microsoft.com/office/powerpoint/2010/main" val="1123456592"/>
       </p:ext>
     </p:extLst>
   </p:cSld>

--- a/UI/navigation/whatispipo/whatispipo.pptx
+++ b/UI/navigation/whatispipo/whatispipo.pptx
@@ -243,7 +243,7 @@
           <a:p>
             <a:fld id="{6EC29A49-11F5-4B93-A284-89926455DC1D}" type="datetimeFigureOut">
               <a:rPr lang="ko-KR" altLang="en-US" smtClean="0"/>
-              <a:t>2021-06-04</a:t>
+              <a:t>2021-06-07</a:t>
             </a:fld>
             <a:endParaRPr lang="ko-KR" altLang="en-US"/>
           </a:p>
@@ -413,7 +413,7 @@
           <a:p>
             <a:fld id="{6EC29A49-11F5-4B93-A284-89926455DC1D}" type="datetimeFigureOut">
               <a:rPr lang="ko-KR" altLang="en-US" smtClean="0"/>
-              <a:t>2021-06-04</a:t>
+              <a:t>2021-06-07</a:t>
             </a:fld>
             <a:endParaRPr lang="ko-KR" altLang="en-US"/>
           </a:p>
@@ -593,7 +593,7 @@
           <a:p>
             <a:fld id="{6EC29A49-11F5-4B93-A284-89926455DC1D}" type="datetimeFigureOut">
               <a:rPr lang="ko-KR" altLang="en-US" smtClean="0"/>
-              <a:t>2021-06-04</a:t>
+              <a:t>2021-06-07</a:t>
             </a:fld>
             <a:endParaRPr lang="ko-KR" altLang="en-US"/>
           </a:p>
@@ -763,7 +763,7 @@
           <a:p>
             <a:fld id="{6EC29A49-11F5-4B93-A284-89926455DC1D}" type="datetimeFigureOut">
               <a:rPr lang="ko-KR" altLang="en-US" smtClean="0"/>
-              <a:t>2021-06-04</a:t>
+              <a:t>2021-06-07</a:t>
             </a:fld>
             <a:endParaRPr lang="ko-KR" altLang="en-US"/>
           </a:p>
@@ -1009,7 +1009,7 @@
           <a:p>
             <a:fld id="{6EC29A49-11F5-4B93-A284-89926455DC1D}" type="datetimeFigureOut">
               <a:rPr lang="ko-KR" altLang="en-US" smtClean="0"/>
-              <a:t>2021-06-04</a:t>
+              <a:t>2021-06-07</a:t>
             </a:fld>
             <a:endParaRPr lang="ko-KR" altLang="en-US"/>
           </a:p>
@@ -1241,7 +1241,7 @@
           <a:p>
             <a:fld id="{6EC29A49-11F5-4B93-A284-89926455DC1D}" type="datetimeFigureOut">
               <a:rPr lang="ko-KR" altLang="en-US" smtClean="0"/>
-              <a:t>2021-06-04</a:t>
+              <a:t>2021-06-07</a:t>
             </a:fld>
             <a:endParaRPr lang="ko-KR" altLang="en-US"/>
           </a:p>
@@ -1608,7 +1608,7 @@
           <a:p>
             <a:fld id="{6EC29A49-11F5-4B93-A284-89926455DC1D}" type="datetimeFigureOut">
               <a:rPr lang="ko-KR" altLang="en-US" smtClean="0"/>
-              <a:t>2021-06-04</a:t>
+              <a:t>2021-06-07</a:t>
             </a:fld>
             <a:endParaRPr lang="ko-KR" altLang="en-US"/>
           </a:p>
@@ -1726,7 +1726,7 @@
           <a:p>
             <a:fld id="{6EC29A49-11F5-4B93-A284-89926455DC1D}" type="datetimeFigureOut">
               <a:rPr lang="ko-KR" altLang="en-US" smtClean="0"/>
-              <a:t>2021-06-04</a:t>
+              <a:t>2021-06-07</a:t>
             </a:fld>
             <a:endParaRPr lang="ko-KR" altLang="en-US"/>
           </a:p>
@@ -1821,7 +1821,7 @@
           <a:p>
             <a:fld id="{6EC29A49-11F5-4B93-A284-89926455DC1D}" type="datetimeFigureOut">
               <a:rPr lang="ko-KR" altLang="en-US" smtClean="0"/>
-              <a:t>2021-06-04</a:t>
+              <a:t>2021-06-07</a:t>
             </a:fld>
             <a:endParaRPr lang="ko-KR" altLang="en-US"/>
           </a:p>
@@ -2098,7 +2098,7 @@
           <a:p>
             <a:fld id="{6EC29A49-11F5-4B93-A284-89926455DC1D}" type="datetimeFigureOut">
               <a:rPr lang="ko-KR" altLang="en-US" smtClean="0"/>
-              <a:t>2021-06-04</a:t>
+              <a:t>2021-06-07</a:t>
             </a:fld>
             <a:endParaRPr lang="ko-KR" altLang="en-US"/>
           </a:p>
@@ -2351,7 +2351,7 @@
           <a:p>
             <a:fld id="{6EC29A49-11F5-4B93-A284-89926455DC1D}" type="datetimeFigureOut">
               <a:rPr lang="ko-KR" altLang="en-US" smtClean="0"/>
-              <a:t>2021-06-04</a:t>
+              <a:t>2021-06-07</a:t>
             </a:fld>
             <a:endParaRPr lang="ko-KR" altLang="en-US"/>
           </a:p>
@@ -2564,7 +2564,7 @@
           <a:p>
             <a:fld id="{6EC29A49-11F5-4B93-A284-89926455DC1D}" type="datetimeFigureOut">
               <a:rPr lang="ko-KR" altLang="en-US" smtClean="0"/>
-              <a:t>2021-06-04</a:t>
+              <a:t>2021-06-07</a:t>
             </a:fld>
             <a:endParaRPr lang="ko-KR" altLang="en-US"/>
           </a:p>
@@ -3360,14 +3360,7 @@
                 <a:latin typeface="나눔바른고딕" panose="020B0603020101020101" pitchFamily="50" charset="-127"/>
                 <a:ea typeface="나눔바른고딕" panose="020B0603020101020101" pitchFamily="50" charset="-127"/>
               </a:rPr>
-              <a:t>실제 </a:t>
-            </a:r>
-            <a:r>
-              <a:rPr lang="ko-KR" altLang="en-US" sz="1400" dirty="0" smtClean="0">
-                <a:latin typeface="나눔바른고딕" panose="020B0603020101020101" pitchFamily="50" charset="-127"/>
-                <a:ea typeface="나눔바른고딕" panose="020B0603020101020101" pitchFamily="50" charset="-127"/>
-              </a:rPr>
-              <a:t>이미지나 유명 화가의 명화를 배경으로 </a:t>
+              <a:t>실제 이미지나 유명 화가의 명화를 배경으로 </a:t>
             </a:r>
             <a:r>
               <a:rPr lang="ko-KR" altLang="en-US" sz="1400" dirty="0" err="1" smtClean="0">
@@ -3381,21 +3374,7 @@
                 <a:latin typeface="나눔바른고딕" panose="020B0603020101020101" pitchFamily="50" charset="-127"/>
                 <a:ea typeface="나눔바른고딕" panose="020B0603020101020101" pitchFamily="50" charset="-127"/>
               </a:rPr>
-              <a:t> </a:t>
-            </a:r>
-            <a:r>
-              <a:rPr lang="ko-KR" altLang="en-US" sz="1400" dirty="0" smtClean="0">
-                <a:latin typeface="나눔바른고딕" panose="020B0603020101020101" pitchFamily="50" charset="-127"/>
-                <a:ea typeface="나눔바른고딕" panose="020B0603020101020101" pitchFamily="50" charset="-127"/>
-              </a:rPr>
-              <a:t>같이 </a:t>
-            </a:r>
-            <a:r>
-              <a:rPr lang="ko-KR" altLang="en-US" sz="1400" dirty="0" smtClean="0">
-                <a:latin typeface="나눔바른고딕" panose="020B0603020101020101" pitchFamily="50" charset="-127"/>
-                <a:ea typeface="나눔바른고딕" panose="020B0603020101020101" pitchFamily="50" charset="-127"/>
-              </a:rPr>
-              <a:t>선이 </a:t>
+              <a:t> 같이 선이 </a:t>
             </a:r>
             <a:r>
               <a:rPr lang="ko-KR" altLang="en-US" sz="1400" dirty="0" err="1" smtClean="0">
@@ -3430,14 +3409,7 @@
                 <a:latin typeface="나눔바른고딕" panose="020B0603020101020101" pitchFamily="50" charset="-127"/>
                 <a:ea typeface="나눔바른고딕" panose="020B0603020101020101" pitchFamily="50" charset="-127"/>
               </a:rPr>
-              <a:t>그려진 </a:t>
-            </a:r>
-            <a:r>
-              <a:rPr lang="ko-KR" altLang="en-US" sz="1400" dirty="0" smtClean="0">
-                <a:latin typeface="나눔바른고딕" panose="020B0603020101020101" pitchFamily="50" charset="-127"/>
-                <a:ea typeface="나눔바른고딕" panose="020B0603020101020101" pitchFamily="50" charset="-127"/>
-              </a:rPr>
-              <a:t>선 내부에 번호가 </a:t>
+              <a:t>그려진 선 내부에 번호가 </a:t>
             </a:r>
             <a:r>
               <a:rPr lang="ko-KR" altLang="en-US" sz="1400" dirty="0" err="1" smtClean="0">
